--- a/科学计算器.pptx
+++ b/科学计算器.pptx
@@ -5,32 +5,34 @@
     <p:sldMasterId id="2147483648" r:id="rId1"/>
   </p:sldMasterIdLst>
   <p:notesMasterIdLst>
-    <p:notesMasterId r:id="rId10"/>
+    <p:notesMasterId r:id="rId12"/>
   </p:notesMasterIdLst>
   <p:handoutMasterIdLst>
-    <p:handoutMasterId r:id="rId19"/>
+    <p:handoutMasterId r:id="rId21"/>
   </p:handoutMasterIdLst>
   <p:sldIdLst>
     <p:sldId id="257" r:id="rId3"/>
     <p:sldId id="269" r:id="rId4"/>
     <p:sldId id="259" r:id="rId5"/>
     <p:sldId id="270" r:id="rId6"/>
-    <p:sldId id="272" r:id="rId7"/>
-    <p:sldId id="286" r:id="rId8"/>
-    <p:sldId id="258" r:id="rId9"/>
-    <p:sldId id="276" r:id="rId11"/>
-    <p:sldId id="278" r:id="rId12"/>
-    <p:sldId id="277" r:id="rId13"/>
-    <p:sldId id="275" r:id="rId14"/>
-    <p:sldId id="279" r:id="rId15"/>
-    <p:sldId id="262" r:id="rId16"/>
-    <p:sldId id="273" r:id="rId17"/>
-    <p:sldId id="264" r:id="rId18"/>
+    <p:sldId id="296" r:id="rId7"/>
+    <p:sldId id="297" r:id="rId8"/>
+    <p:sldId id="272" r:id="rId9"/>
+    <p:sldId id="286" r:id="rId10"/>
+    <p:sldId id="258" r:id="rId11"/>
+    <p:sldId id="276" r:id="rId13"/>
+    <p:sldId id="278" r:id="rId14"/>
+    <p:sldId id="277" r:id="rId15"/>
+    <p:sldId id="275" r:id="rId16"/>
+    <p:sldId id="279" r:id="rId17"/>
+    <p:sldId id="262" r:id="rId18"/>
+    <p:sldId id="273" r:id="rId19"/>
+    <p:sldId id="264" r:id="rId20"/>
   </p:sldIdLst>
   <p:sldSz cx="12188825" cy="6858000"/>
   <p:notesSz cx="6858000" cy="9144000"/>
   <p:custDataLst>
-    <p:tags r:id="rId24"/>
+    <p:tags r:id="rId26"/>
   </p:custDataLst>
   <p:defaultTextStyle>
     <a:defPPr rtl="0">
@@ -135,22 +137,22 @@
             <a:srgbClr val="A4A3A4"/>
           </p15:clr>
         </p15:guide>
-        <p15:guide id="2" orient="horz" pos="1008" userDrawn="1">
+        <p15:guide id="2" orient="horz" pos="1056" userDrawn="1">
           <p15:clr>
             <a:srgbClr val="A4A3A4"/>
           </p15:clr>
         </p15:guide>
-        <p15:guide id="3" orient="horz" pos="3789" userDrawn="1">
+        <p15:guide id="3" orient="horz" pos="3792" userDrawn="1">
           <p15:clr>
             <a:srgbClr val="A4A3A4"/>
           </p15:clr>
         </p15:guide>
-        <p15:guide id="4" orient="horz" pos="1171" userDrawn="1">
+        <p15:guide id="4" orient="horz" pos="1152" userDrawn="1">
           <p15:clr>
             <a:srgbClr val="A4A3A4"/>
           </p15:clr>
         </p15:guide>
-        <p15:guide id="5" orient="horz" pos="3360" userDrawn="1">
+        <p15:guide id="5" orient="horz" pos="3332" userDrawn="1">
           <p15:clr>
             <a:srgbClr val="A4A3A4"/>
           </p15:clr>
@@ -5725,7 +5727,7 @@
       </p:sp>
       <p:pic>
         <p:nvPicPr>
-          <p:cNvPr id="3" name="图片 2"/>
+          <p:cNvPr id="4" name="图片 3"/>
           <p:cNvPicPr>
             <a:picLocks noChangeAspect="1"/>
           </p:cNvPicPr>
@@ -5743,8 +5745,8 @@
         </p:blipFill>
         <p:spPr>
           <a:xfrm>
-            <a:off x="3209925" y="836930"/>
-            <a:ext cx="5768340" cy="5240655"/>
+            <a:off x="2421890" y="836930"/>
+            <a:ext cx="7103110" cy="5264785"/>
           </a:xfrm>
           <a:prstGeom prst="rect">
             <a:avLst/>
@@ -5798,93 +5800,75 @@
             <p:ph type="title"/>
           </p:nvPr>
         </p:nvSpPr>
-        <p:spPr>
-          <a:xfrm>
-            <a:off x="1269876" y="1916832"/>
-            <a:ext cx="9144000" cy="3816424"/>
-          </a:xfrm>
-        </p:spPr>
-        <p:txBody>
-          <a:bodyPr rtlCol="0" anchor="t"/>
+        <p:spPr/>
+        <p:txBody>
+          <a:bodyPr rtlCol="0"/>
           <a:lstStyle/>
           <a:p>
-            <a:pPr marL="457200" marR="0" lvl="0" indent="-457200" algn="l" defTabSz="914400" rtl="0" eaLnBrk="1" fontAlgn="auto" latinLnBrk="0" hangingPunct="1">
-              <a:lnSpc>
-                <a:spcPct val="90000"/>
-              </a:lnSpc>
-              <a:spcBef>
-                <a:spcPts val="1800"/>
-              </a:spcBef>
-              <a:spcAft>
-                <a:spcPts val="0"/>
-              </a:spcAft>
-              <a:buClrTx/>
-              <a:buSzTx/>
-              <a:buFont typeface="Arial" panose="020B0604020202020204" pitchFamily="34" charset="0"/>
-              <a:buChar char="•"/>
-              <a:defRPr/>
-            </a:pPr>
-            <a:r>
-              <a:rPr lang="zh-CN" altLang="en-US" sz="2400" dirty="0"/>
-              <a:t>程序员计算器：</a:t>
-            </a:r>
-            <a:r>
-              <a:rPr lang="en-US" altLang="zh-CN" sz="2400" dirty="0"/>
-              <a:t>2,8,10,16</a:t>
-            </a:r>
-            <a:r>
-              <a:rPr lang="zh-CN" altLang="en-US" sz="2400" dirty="0"/>
-              <a:t>进制转换，不同进制的加减乘除运算，移位运算，逻辑运算。</a:t>
-            </a:r>
-            <a:br>
-              <a:rPr lang="en-US" altLang="zh-CN" sz="2400" dirty="0"/>
-            </a:br>
-            <a:br>
-              <a:rPr lang="en-US" altLang="zh-CN" sz="2400" dirty="0"/>
-            </a:br>
-            <a:r>
-              <a:rPr lang="zh-CN" altLang="en-US" sz="2400" dirty="0"/>
-              <a:t>函数绘图器：实现任意显函数的绘制，拥有放大缩小，滑动界面等功能</a:t>
-            </a:r>
-            <a:endParaRPr lang="en-US" altLang="zh-CN" sz="2400" dirty="0">
+            <a:pPr rtl="0"/>
+            <a:endParaRPr lang="en-US" altLang="zh-CN" dirty="0">
               <a:latin typeface="Microsoft YaHei UI" panose="020B0503020204020204" pitchFamily="34" charset="-122"/>
               <a:ea typeface="Microsoft YaHei UI" panose="020B0503020204020204" pitchFamily="34" charset="-122"/>
             </a:endParaRPr>
           </a:p>
         </p:txBody>
       </p:sp>
-      <p:sp>
-        <p:nvSpPr>
-          <p:cNvPr id="3" name="文本占位符 2"/>
-          <p:cNvSpPr>
-            <a:spLocks noGrp="1"/>
-          </p:cNvSpPr>
-          <p:nvPr>
-            <p:ph type="body" idx="1"/>
-          </p:nvPr>
-        </p:nvSpPr>
-        <p:spPr/>
-        <p:txBody>
-          <a:bodyPr rtlCol="0">
-            <a:normAutofit/>
-          </a:bodyPr>
-          <a:lstStyle/>
-          <a:p>
-            <a:pPr rtl="0"/>
-            <a:r>
-              <a:rPr lang="zh-CN" altLang="en-US" sz="3600" dirty="0">
-                <a:latin typeface="Microsoft YaHei UI" panose="020B0503020204020204" pitchFamily="34" charset="-122"/>
-                <a:ea typeface="Microsoft YaHei UI" panose="020B0503020204020204" pitchFamily="34" charset="-122"/>
-              </a:rPr>
-              <a:t>项目主要功能</a:t>
-            </a:r>
-            <a:endParaRPr lang="zh-CN" altLang="en-US" sz="3600" dirty="0">
-              <a:latin typeface="Microsoft YaHei UI" panose="020B0503020204020204" pitchFamily="34" charset="-122"/>
-              <a:ea typeface="Microsoft YaHei UI" panose="020B0503020204020204" pitchFamily="34" charset="-122"/>
-            </a:endParaRPr>
-          </a:p>
-        </p:txBody>
-      </p:sp>
+      <p:pic>
+        <p:nvPicPr>
+          <p:cNvPr id="3" name="图片 2"/>
+          <p:cNvPicPr>
+            <a:picLocks noChangeAspect="1"/>
+          </p:cNvPicPr>
+          <p:nvPr>
+            <p:custDataLst>
+              <p:tags r:id="rId1"/>
+            </p:custDataLst>
+          </p:nvPr>
+        </p:nvPicPr>
+        <p:blipFill>
+          <a:blip r:embed="rId2"/>
+          <a:stretch>
+            <a:fillRect/>
+          </a:stretch>
+        </p:blipFill>
+        <p:spPr>
+          <a:xfrm>
+            <a:off x="1125855" y="2097405"/>
+            <a:ext cx="4465320" cy="3328670"/>
+          </a:xfrm>
+          <a:prstGeom prst="rect">
+            <a:avLst/>
+          </a:prstGeom>
+        </p:spPr>
+      </p:pic>
+      <p:pic>
+        <p:nvPicPr>
+          <p:cNvPr id="4" name="图片 3"/>
+          <p:cNvPicPr>
+            <a:picLocks noChangeAspect="1"/>
+          </p:cNvPicPr>
+          <p:nvPr>
+            <p:custDataLst>
+              <p:tags r:id="rId3"/>
+            </p:custDataLst>
+          </p:nvPr>
+        </p:nvPicPr>
+        <p:blipFill>
+          <a:blip r:embed="rId4"/>
+          <a:stretch>
+            <a:fillRect/>
+          </a:stretch>
+        </p:blipFill>
+        <p:spPr>
+          <a:xfrm>
+            <a:off x="5949950" y="2070735"/>
+            <a:ext cx="4519295" cy="3355340"/>
+          </a:xfrm>
+          <a:prstGeom prst="rect">
+            <a:avLst/>
+          </a:prstGeom>
+        </p:spPr>
+      </p:pic>
     </p:spTree>
   </p:cSld>
   <p:clrMapOvr>
@@ -5965,8 +5949,8 @@
         </p:blipFill>
         <p:spPr>
           <a:xfrm>
-            <a:off x="2349500" y="764540"/>
-            <a:ext cx="7198360" cy="5371465"/>
+            <a:off x="3209925" y="836930"/>
+            <a:ext cx="5768340" cy="5240655"/>
           </a:xfrm>
           <a:prstGeom prst="rect">
             <a:avLst/>
@@ -6020,6 +6004,228 @@
             <p:ph type="title"/>
           </p:nvPr>
         </p:nvSpPr>
+        <p:spPr>
+          <a:xfrm>
+            <a:off x="1269876" y="1916832"/>
+            <a:ext cx="9144000" cy="3816424"/>
+          </a:xfrm>
+        </p:spPr>
+        <p:txBody>
+          <a:bodyPr rtlCol="0" anchor="t"/>
+          <a:lstStyle/>
+          <a:p>
+            <a:pPr marL="457200" marR="0" lvl="0" indent="-457200" algn="l" defTabSz="914400" rtl="0" eaLnBrk="1" fontAlgn="auto" latinLnBrk="0" hangingPunct="1">
+              <a:lnSpc>
+                <a:spcPct val="90000"/>
+              </a:lnSpc>
+              <a:spcBef>
+                <a:spcPts val="1800"/>
+              </a:spcBef>
+              <a:spcAft>
+                <a:spcPts val="0"/>
+              </a:spcAft>
+              <a:buClrTx/>
+              <a:buSzTx/>
+              <a:buFont typeface="Arial" panose="020B0604020202020204" pitchFamily="34" charset="0"/>
+              <a:buChar char="•"/>
+              <a:defRPr/>
+            </a:pPr>
+            <a:r>
+              <a:rPr lang="zh-CN" altLang="en-US" sz="2400" dirty="0"/>
+              <a:t>程序员计算器：</a:t>
+            </a:r>
+            <a:r>
+              <a:rPr lang="en-US" altLang="zh-CN" sz="2400" dirty="0"/>
+              <a:t>2,8,10,16</a:t>
+            </a:r>
+            <a:r>
+              <a:rPr lang="zh-CN" altLang="en-US" sz="2400" dirty="0"/>
+              <a:t>进制转换，不同进制的加减乘除运算，移位运算，逻辑运算。</a:t>
+            </a:r>
+            <a:br>
+              <a:rPr lang="en-US" altLang="zh-CN" sz="2400" dirty="0"/>
+            </a:br>
+            <a:br>
+              <a:rPr lang="en-US" altLang="zh-CN" sz="2400" dirty="0"/>
+            </a:br>
+            <a:r>
+              <a:rPr lang="zh-CN" altLang="en-US" sz="2400" dirty="0"/>
+              <a:t>函数绘图器：实现任意显函数的绘制，拥有放大缩小，滑动界面等功能</a:t>
+            </a:r>
+            <a:endParaRPr lang="en-US" altLang="zh-CN" sz="2400" dirty="0">
+              <a:latin typeface="Microsoft YaHei UI" panose="020B0503020204020204" pitchFamily="34" charset="-122"/>
+              <a:ea typeface="Microsoft YaHei UI" panose="020B0503020204020204" pitchFamily="34" charset="-122"/>
+            </a:endParaRPr>
+          </a:p>
+        </p:txBody>
+      </p:sp>
+      <p:sp>
+        <p:nvSpPr>
+          <p:cNvPr id="3" name="文本占位符 2"/>
+          <p:cNvSpPr>
+            <a:spLocks noGrp="1"/>
+          </p:cNvSpPr>
+          <p:nvPr>
+            <p:ph type="body" idx="1"/>
+          </p:nvPr>
+        </p:nvSpPr>
+        <p:spPr/>
+        <p:txBody>
+          <a:bodyPr rtlCol="0">
+            <a:normAutofit/>
+          </a:bodyPr>
+          <a:lstStyle/>
+          <a:p>
+            <a:pPr rtl="0"/>
+            <a:r>
+              <a:rPr lang="zh-CN" altLang="en-US" sz="3600" dirty="0">
+                <a:latin typeface="Microsoft YaHei UI" panose="020B0503020204020204" pitchFamily="34" charset="-122"/>
+                <a:ea typeface="Microsoft YaHei UI" panose="020B0503020204020204" pitchFamily="34" charset="-122"/>
+              </a:rPr>
+              <a:t>项目主要功能</a:t>
+            </a:r>
+            <a:endParaRPr lang="zh-CN" altLang="en-US" sz="3600" dirty="0">
+              <a:latin typeface="Microsoft YaHei UI" panose="020B0503020204020204" pitchFamily="34" charset="-122"/>
+              <a:ea typeface="Microsoft YaHei UI" panose="020B0503020204020204" pitchFamily="34" charset="-122"/>
+            </a:endParaRPr>
+          </a:p>
+        </p:txBody>
+      </p:sp>
+    </p:spTree>
+  </p:cSld>
+  <p:clrMapOvr>
+    <a:masterClrMapping/>
+  </p:clrMapOvr>
+  <mc:AlternateContent xmlns:mc="http://schemas.openxmlformats.org/markup-compatibility/2006">
+    <mc:Choice xmlns:p14="http://schemas.microsoft.com/office/powerpoint/2010/main" Requires="p14">
+      <p:transition spd="med" p14:dur="700">
+        <p:fade/>
+      </p:transition>
+    </mc:Choice>
+    <mc:Fallback>
+      <p:transition spd="med">
+        <p:fade/>
+      </p:transition>
+    </mc:Fallback>
+  </mc:AlternateContent>
+</p:sld>
+</file>
+
+<file path=ppt/slides/slide14.xml><?xml version="1.0" encoding="utf-8"?>
+<p:sld xmlns:a="http://schemas.openxmlformats.org/drawingml/2006/main" xmlns:r="http://schemas.openxmlformats.org/officeDocument/2006/relationships" xmlns:p="http://schemas.openxmlformats.org/presentationml/2006/main">
+  <p:cSld>
+    <p:spTree>
+      <p:nvGrpSpPr>
+        <p:cNvPr id="1" name=""/>
+        <p:cNvGrpSpPr/>
+        <p:nvPr/>
+      </p:nvGrpSpPr>
+      <p:grpSpPr>
+        <a:xfrm>
+          <a:off x="0" y="0"/>
+          <a:ext cx="0" cy="0"/>
+          <a:chOff x="0" y="0"/>
+          <a:chExt cx="0" cy="0"/>
+        </a:xfrm>
+      </p:grpSpPr>
+      <p:sp>
+        <p:nvSpPr>
+          <p:cNvPr id="2" name="标题 1"/>
+          <p:cNvSpPr>
+            <a:spLocks noGrp="1"/>
+          </p:cNvSpPr>
+          <p:nvPr>
+            <p:ph type="title"/>
+          </p:nvPr>
+        </p:nvSpPr>
+        <p:spPr/>
+        <p:txBody>
+          <a:bodyPr rtlCol="0"/>
+          <a:lstStyle/>
+          <a:p>
+            <a:pPr rtl="0"/>
+            <a:endParaRPr lang="en-US" altLang="zh-CN" dirty="0">
+              <a:latin typeface="Microsoft YaHei UI" panose="020B0503020204020204" pitchFamily="34" charset="-122"/>
+              <a:ea typeface="Microsoft YaHei UI" panose="020B0503020204020204" pitchFamily="34" charset="-122"/>
+            </a:endParaRPr>
+          </a:p>
+        </p:txBody>
+      </p:sp>
+      <p:pic>
+        <p:nvPicPr>
+          <p:cNvPr id="3" name="图片 2"/>
+          <p:cNvPicPr>
+            <a:picLocks noChangeAspect="1"/>
+          </p:cNvPicPr>
+          <p:nvPr>
+            <p:custDataLst>
+              <p:tags r:id="rId1"/>
+            </p:custDataLst>
+          </p:nvPr>
+        </p:nvPicPr>
+        <p:blipFill>
+          <a:blip r:embed="rId2"/>
+          <a:stretch>
+            <a:fillRect/>
+          </a:stretch>
+        </p:blipFill>
+        <p:spPr>
+          <a:xfrm>
+            <a:off x="2349500" y="764540"/>
+            <a:ext cx="7198360" cy="5371465"/>
+          </a:xfrm>
+          <a:prstGeom prst="rect">
+            <a:avLst/>
+          </a:prstGeom>
+        </p:spPr>
+      </p:pic>
+    </p:spTree>
+  </p:cSld>
+  <p:clrMapOvr>
+    <a:masterClrMapping/>
+  </p:clrMapOvr>
+  <mc:AlternateContent xmlns:mc="http://schemas.openxmlformats.org/markup-compatibility/2006">
+    <mc:Choice xmlns:p14="http://schemas.microsoft.com/office/powerpoint/2010/main" Requires="p14">
+      <p:transition spd="med" p14:dur="700">
+        <p:fade/>
+      </p:transition>
+    </mc:Choice>
+    <mc:Fallback>
+      <p:transition spd="med">
+        <p:fade/>
+      </p:transition>
+    </mc:Fallback>
+  </mc:AlternateContent>
+</p:sld>
+</file>
+
+<file path=ppt/slides/slide15.xml><?xml version="1.0" encoding="utf-8"?>
+<p:sld xmlns:a="http://schemas.openxmlformats.org/drawingml/2006/main" xmlns:r="http://schemas.openxmlformats.org/officeDocument/2006/relationships" xmlns:p="http://schemas.openxmlformats.org/presentationml/2006/main">
+  <p:cSld>
+    <p:spTree>
+      <p:nvGrpSpPr>
+        <p:cNvPr id="1" name=""/>
+        <p:cNvGrpSpPr/>
+        <p:nvPr/>
+      </p:nvGrpSpPr>
+      <p:grpSpPr>
+        <a:xfrm>
+          <a:off x="0" y="0"/>
+          <a:ext cx="0" cy="0"/>
+          <a:chOff x="0" y="0"/>
+          <a:chExt cx="0" cy="0"/>
+        </a:xfrm>
+      </p:grpSpPr>
+      <p:sp>
+        <p:nvSpPr>
+          <p:cNvPr id="2" name="标题 1"/>
+          <p:cNvSpPr>
+            <a:spLocks noGrp="1"/>
+          </p:cNvSpPr>
+          <p:nvPr>
+            <p:ph type="title"/>
+          </p:nvPr>
+        </p:nvSpPr>
         <p:spPr/>
         <p:txBody>
           <a:bodyPr rtlCol="0"/>
@@ -6081,7 +6287,7 @@
 </p:sld>
 </file>
 
-<file path=ppt/slides/slide14.xml><?xml version="1.0" encoding="utf-8"?>
+<file path=ppt/slides/slide16.xml><?xml version="1.0" encoding="utf-8"?>
 <p:sld xmlns:a="http://schemas.openxmlformats.org/drawingml/2006/main" xmlns:r="http://schemas.openxmlformats.org/officeDocument/2006/relationships" xmlns:p="http://schemas.openxmlformats.org/presentationml/2006/main">
   <p:cSld>
     <p:spTree>
@@ -6280,7 +6486,7 @@
 </p:sld>
 </file>
 
-<file path=ppt/slides/slide15.xml><?xml version="1.0" encoding="utf-8"?>
+<file path=ppt/slides/slide17.xml><?xml version="1.0" encoding="utf-8"?>
 <p:sld xmlns:a="http://schemas.openxmlformats.org/drawingml/2006/main" xmlns:r="http://schemas.openxmlformats.org/officeDocument/2006/relationships" xmlns:p="http://schemas.openxmlformats.org/presentationml/2006/main">
   <p:cSld>
     <p:spTree>
@@ -6921,6 +7127,228 @@
                 <a:latin typeface="Microsoft YaHei UI" panose="020B0503020204020204" pitchFamily="34" charset="-122"/>
                 <a:ea typeface="Microsoft YaHei UI" panose="020B0503020204020204" pitchFamily="34" charset="-122"/>
               </a:rPr>
+              <a:t>项目管理：</a:t>
+            </a:r>
+            <a:r>
+              <a:rPr lang="en-US" altLang="zh-CN" sz="3600" dirty="0">
+                <a:latin typeface="Microsoft YaHei UI" panose="020B0503020204020204" pitchFamily="34" charset="-122"/>
+                <a:ea typeface="Microsoft YaHei UI" panose="020B0503020204020204" pitchFamily="34" charset="-122"/>
+              </a:rPr>
+              <a:t>Github </a:t>
+            </a:r>
+            <a:r>
+              <a:rPr lang="en-US" altLang="zh-CN" sz="3600" dirty="0">
+                <a:latin typeface="Microsoft YaHei UI" panose="020B0503020204020204" pitchFamily="34" charset="-122"/>
+                <a:ea typeface="Microsoft YaHei UI" panose="020B0503020204020204" pitchFamily="34" charset="-122"/>
+              </a:rPr>
+              <a:t>Desktop</a:t>
+            </a:r>
+            <a:endParaRPr lang="en-US" altLang="zh-CN" sz="3600" dirty="0">
+              <a:latin typeface="Microsoft YaHei UI" panose="020B0503020204020204" pitchFamily="34" charset="-122"/>
+              <a:ea typeface="Microsoft YaHei UI" panose="020B0503020204020204" pitchFamily="34" charset="-122"/>
+            </a:endParaRPr>
+          </a:p>
+        </p:txBody>
+      </p:sp>
+      <p:pic>
+        <p:nvPicPr>
+          <p:cNvPr id="4" name="图片 3"/>
+          <p:cNvPicPr>
+            <a:picLocks noChangeAspect="1"/>
+          </p:cNvPicPr>
+          <p:nvPr>
+            <p:custDataLst>
+              <p:tags r:id="rId1"/>
+            </p:custDataLst>
+          </p:nvPr>
+        </p:nvPicPr>
+        <p:blipFill>
+          <a:blip r:embed="rId2"/>
+          <a:stretch>
+            <a:fillRect/>
+          </a:stretch>
+        </p:blipFill>
+        <p:spPr>
+          <a:xfrm>
+            <a:off x="1270000" y="1628775"/>
+            <a:ext cx="7597775" cy="4570730"/>
+          </a:xfrm>
+          <a:prstGeom prst="rect">
+            <a:avLst/>
+          </a:prstGeom>
+        </p:spPr>
+      </p:pic>
+    </p:spTree>
+  </p:cSld>
+  <p:clrMapOvr>
+    <a:masterClrMapping/>
+  </p:clrMapOvr>
+  <mc:AlternateContent xmlns:mc="http://schemas.openxmlformats.org/markup-compatibility/2006">
+    <mc:Choice xmlns:p14="http://schemas.microsoft.com/office/powerpoint/2010/main" Requires="p14">
+      <p:transition spd="med" p14:dur="700">
+        <p:fade/>
+      </p:transition>
+    </mc:Choice>
+    <mc:Fallback>
+      <p:transition spd="med">
+        <p:fade/>
+      </p:transition>
+    </mc:Fallback>
+  </mc:AlternateContent>
+</p:sld>
+</file>
+
+<file path=ppt/slides/slide6.xml><?xml version="1.0" encoding="utf-8"?>
+<p:sld xmlns:a="http://schemas.openxmlformats.org/drawingml/2006/main" xmlns:r="http://schemas.openxmlformats.org/officeDocument/2006/relationships" xmlns:p="http://schemas.openxmlformats.org/presentationml/2006/main">
+  <p:cSld>
+    <p:spTree>
+      <p:nvGrpSpPr>
+        <p:cNvPr id="1" name=""/>
+        <p:cNvGrpSpPr/>
+        <p:nvPr/>
+      </p:nvGrpSpPr>
+      <p:grpSpPr>
+        <a:xfrm>
+          <a:off x="0" y="0"/>
+          <a:ext cx="0" cy="0"/>
+          <a:chOff x="0" y="0"/>
+          <a:chExt cx="0" cy="0"/>
+        </a:xfrm>
+      </p:grpSpPr>
+      <p:sp>
+        <p:nvSpPr>
+          <p:cNvPr id="2" name="标题 1"/>
+          <p:cNvSpPr>
+            <a:spLocks noGrp="1"/>
+          </p:cNvSpPr>
+          <p:nvPr>
+            <p:ph type="title"/>
+          </p:nvPr>
+        </p:nvSpPr>
+        <p:spPr/>
+        <p:txBody>
+          <a:bodyPr rtlCol="0">
+            <a:normAutofit/>
+          </a:bodyPr>
+          <a:lstStyle/>
+          <a:p>
+            <a:pPr rtl="0"/>
+            <a:r>
+              <a:rPr lang="zh-CN" altLang="en-US" sz="3600" dirty="0">
+                <a:latin typeface="Microsoft YaHei UI" panose="020B0503020204020204" pitchFamily="34" charset="-122"/>
+                <a:ea typeface="Microsoft YaHei UI" panose="020B0503020204020204" pitchFamily="34" charset="-122"/>
+              </a:rPr>
+              <a:t>项目管理：</a:t>
+            </a:r>
+            <a:r>
+              <a:rPr lang="en-US" altLang="zh-CN" sz="3600" dirty="0">
+                <a:latin typeface="Microsoft YaHei UI" panose="020B0503020204020204" pitchFamily="34" charset="-122"/>
+                <a:ea typeface="Microsoft YaHei UI" panose="020B0503020204020204" pitchFamily="34" charset="-122"/>
+              </a:rPr>
+              <a:t>Github </a:t>
+            </a:r>
+            <a:r>
+              <a:rPr lang="en-US" altLang="zh-CN" sz="3600" dirty="0">
+                <a:latin typeface="Microsoft YaHei UI" panose="020B0503020204020204" pitchFamily="34" charset="-122"/>
+                <a:ea typeface="Microsoft YaHei UI" panose="020B0503020204020204" pitchFamily="34" charset="-122"/>
+              </a:rPr>
+              <a:t>Desktop</a:t>
+            </a:r>
+            <a:endParaRPr lang="en-US" altLang="zh-CN" sz="3600" dirty="0">
+              <a:latin typeface="Microsoft YaHei UI" panose="020B0503020204020204" pitchFamily="34" charset="-122"/>
+              <a:ea typeface="Microsoft YaHei UI" panose="020B0503020204020204" pitchFamily="34" charset="-122"/>
+            </a:endParaRPr>
+          </a:p>
+        </p:txBody>
+      </p:sp>
+      <p:pic>
+        <p:nvPicPr>
+          <p:cNvPr id="3" name="图片 2"/>
+          <p:cNvPicPr>
+            <a:picLocks noChangeAspect="1"/>
+          </p:cNvPicPr>
+          <p:nvPr>
+            <p:custDataLst>
+              <p:tags r:id="rId1"/>
+            </p:custDataLst>
+          </p:nvPr>
+        </p:nvPicPr>
+        <p:blipFill>
+          <a:blip r:embed="rId2"/>
+          <a:stretch>
+            <a:fillRect/>
+          </a:stretch>
+        </p:blipFill>
+        <p:spPr>
+          <a:xfrm>
+            <a:off x="1270000" y="1628775"/>
+            <a:ext cx="6768465" cy="4533265"/>
+          </a:xfrm>
+          <a:prstGeom prst="rect">
+            <a:avLst/>
+          </a:prstGeom>
+        </p:spPr>
+      </p:pic>
+    </p:spTree>
+  </p:cSld>
+  <p:clrMapOvr>
+    <a:masterClrMapping/>
+  </p:clrMapOvr>
+  <mc:AlternateContent xmlns:mc="http://schemas.openxmlformats.org/markup-compatibility/2006">
+    <mc:Choice xmlns:p14="http://schemas.microsoft.com/office/powerpoint/2010/main" Requires="p14">
+      <p:transition spd="med" p14:dur="700">
+        <p:fade/>
+      </p:transition>
+    </mc:Choice>
+    <mc:Fallback>
+      <p:transition spd="med">
+        <p:fade/>
+      </p:transition>
+    </mc:Fallback>
+  </mc:AlternateContent>
+</p:sld>
+</file>
+
+<file path=ppt/slides/slide7.xml><?xml version="1.0" encoding="utf-8"?>
+<p:sld xmlns:a="http://schemas.openxmlformats.org/drawingml/2006/main" xmlns:r="http://schemas.openxmlformats.org/officeDocument/2006/relationships" xmlns:p="http://schemas.openxmlformats.org/presentationml/2006/main">
+  <p:cSld>
+    <p:spTree>
+      <p:nvGrpSpPr>
+        <p:cNvPr id="1" name=""/>
+        <p:cNvGrpSpPr/>
+        <p:nvPr/>
+      </p:nvGrpSpPr>
+      <p:grpSpPr>
+        <a:xfrm>
+          <a:off x="0" y="0"/>
+          <a:ext cx="0" cy="0"/>
+          <a:chOff x="0" y="0"/>
+          <a:chExt cx="0" cy="0"/>
+        </a:xfrm>
+      </p:grpSpPr>
+      <p:sp>
+        <p:nvSpPr>
+          <p:cNvPr id="2" name="标题 1"/>
+          <p:cNvSpPr>
+            <a:spLocks noGrp="1"/>
+          </p:cNvSpPr>
+          <p:nvPr>
+            <p:ph type="title"/>
+          </p:nvPr>
+        </p:nvSpPr>
+        <p:spPr/>
+        <p:txBody>
+          <a:bodyPr rtlCol="0">
+            <a:normAutofit/>
+          </a:bodyPr>
+          <a:lstStyle/>
+          <a:p>
+            <a:pPr rtl="0"/>
+            <a:r>
+              <a:rPr lang="zh-CN" altLang="en-US" sz="3600" dirty="0">
+                <a:latin typeface="Microsoft YaHei UI" panose="020B0503020204020204" pitchFamily="34" charset="-122"/>
+                <a:ea typeface="Microsoft YaHei UI" panose="020B0503020204020204" pitchFamily="34" charset="-122"/>
+              </a:rPr>
               <a:t>项目整体框架</a:t>
             </a:r>
             <a:endParaRPr lang="zh-CN" altLang="en-US" sz="3600" dirty="0">
@@ -6976,7 +7404,7 @@
 </p:sld>
 </file>
 
-<file path=ppt/slides/slide6.xml><?xml version="1.0" encoding="utf-8"?>
+<file path=ppt/slides/slide8.xml><?xml version="1.0" encoding="utf-8"?>
 <p:sld xmlns:a="http://schemas.openxmlformats.org/drawingml/2006/main" xmlns:r="http://schemas.openxmlformats.org/officeDocument/2006/relationships" xmlns:p="http://schemas.openxmlformats.org/presentationml/2006/main">
   <p:cSld>
     <p:spTree>
@@ -7278,271 +7706,6 @@
 </p:sld>
 </file>
 
-<file path=ppt/slides/slide7.xml><?xml version="1.0" encoding="utf-8"?>
-<p:sld xmlns:a="http://schemas.openxmlformats.org/drawingml/2006/main" xmlns:r="http://schemas.openxmlformats.org/officeDocument/2006/relationships" xmlns:p="http://schemas.openxmlformats.org/presentationml/2006/main">
-  <p:cSld>
-    <p:spTree>
-      <p:nvGrpSpPr>
-        <p:cNvPr id="1" name=""/>
-        <p:cNvGrpSpPr/>
-        <p:nvPr/>
-      </p:nvGrpSpPr>
-      <p:grpSpPr>
-        <a:xfrm>
-          <a:off x="0" y="0"/>
-          <a:ext cx="0" cy="0"/>
-          <a:chOff x="0" y="0"/>
-          <a:chExt cx="0" cy="0"/>
-        </a:xfrm>
-      </p:grpSpPr>
-      <p:sp>
-        <p:nvSpPr>
-          <p:cNvPr id="2" name="标题 1"/>
-          <p:cNvSpPr>
-            <a:spLocks noGrp="1"/>
-          </p:cNvSpPr>
-          <p:nvPr>
-            <p:ph type="title"/>
-          </p:nvPr>
-        </p:nvSpPr>
-        <p:spPr>
-          <a:xfrm>
-            <a:off x="1269876" y="1916832"/>
-            <a:ext cx="9144000" cy="3816424"/>
-          </a:xfrm>
-        </p:spPr>
-        <p:txBody>
-          <a:bodyPr rtlCol="0" anchor="t"/>
-          <a:lstStyle/>
-          <a:p>
-            <a:pPr marL="457200" marR="0" lvl="0" indent="-457200" algn="l" defTabSz="914400" rtl="0" eaLnBrk="1" fontAlgn="auto" latinLnBrk="0" hangingPunct="1">
-              <a:lnSpc>
-                <a:spcPct val="90000"/>
-              </a:lnSpc>
-              <a:spcBef>
-                <a:spcPts val="1800"/>
-              </a:spcBef>
-              <a:spcAft>
-                <a:spcPts val="0"/>
-              </a:spcAft>
-              <a:buClrTx/>
-              <a:buSzTx/>
-              <a:buFont typeface="Arial" panose="020B0604020202020204" pitchFamily="34" charset="0"/>
-              <a:buChar char="•"/>
-              <a:defRPr/>
-            </a:pPr>
-            <a:r>
-              <a:rPr lang="zh-CN" altLang="en-US" sz="2400" dirty="0"/>
-              <a:t>科学计算器：可实现常规科学计算器所有功能，支持三角函数，反三角函数，指对函数，阶乘，取模等。</a:t>
-            </a:r>
-            <a:br>
-              <a:rPr lang="en-US" altLang="zh-CN" sz="2400" dirty="0"/>
-            </a:br>
-            <a:br>
-              <a:rPr lang="en-US" altLang="zh-CN" sz="2400" dirty="0"/>
-            </a:br>
-            <a:r>
-              <a:rPr lang="zh-CN" altLang="en-US" sz="2400" dirty="0"/>
-              <a:t>矩阵计算器：可实现矩阵的一元</a:t>
-            </a:r>
-            <a:r>
-              <a:rPr lang="en-US" altLang="zh-CN" sz="2400" dirty="0"/>
-              <a:t>/</a:t>
-            </a:r>
-            <a:r>
-              <a:rPr lang="zh-CN" altLang="en-US" sz="2400" dirty="0"/>
-              <a:t>二元运算，包括求转置矩阵，伴随矩阵，逆矩阵，特征值，矩阵的秩，矩阵的迹，矩阵相乘等等运算。</a:t>
-            </a:r>
-            <a:br>
-              <a:rPr lang="en-US" altLang="zh-CN" sz="2400" dirty="0"/>
-            </a:br>
-            <a:br>
-              <a:rPr lang="en-US" altLang="zh-CN" sz="2400" dirty="0"/>
-            </a:br>
-            <a:r>
-              <a:rPr lang="zh-CN" altLang="en-US" sz="2400" dirty="0"/>
-              <a:t>一元线性回归计算器：可实现</a:t>
-            </a:r>
-            <a:r>
-              <a:rPr lang="en-US" altLang="zh-CN" sz="2400" dirty="0"/>
-              <a:t>X^2,Y^2,XY</a:t>
-            </a:r>
-            <a:r>
-              <a:rPr lang="zh-CN" altLang="en-US" sz="2400" dirty="0"/>
-              <a:t>等数据列表，自动计算回归系数</a:t>
-            </a:r>
-            <a:r>
-              <a:rPr lang="en-US" altLang="zh-CN" sz="2400" dirty="0" err="1"/>
-              <a:t>b,a</a:t>
-            </a:r>
-            <a:r>
-              <a:rPr lang="zh-CN" altLang="en-US" sz="2400" dirty="0"/>
-              <a:t>与相关系数</a:t>
-            </a:r>
-            <a:r>
-              <a:rPr lang="en-US" altLang="zh-CN" sz="2400" dirty="0"/>
-              <a:t>R</a:t>
-            </a:r>
-            <a:r>
-              <a:rPr lang="zh-CN" altLang="en-US" sz="2400" dirty="0"/>
-              <a:t>。</a:t>
-            </a:r>
-            <a:br>
-              <a:rPr lang="en-US" altLang="zh-CN" sz="2400" dirty="0"/>
-            </a:br>
-            <a:br>
-              <a:rPr lang="en-US" altLang="zh-CN" sz="2400" dirty="0"/>
-            </a:br>
-            <a:br>
-              <a:rPr lang="en-US" altLang="zh-CN" sz="2400" dirty="0"/>
-            </a:br>
-            <a:endParaRPr lang="en-US" altLang="zh-CN" sz="2400" dirty="0">
-              <a:latin typeface="Microsoft YaHei UI" panose="020B0503020204020204" pitchFamily="34" charset="-122"/>
-              <a:ea typeface="Microsoft YaHei UI" panose="020B0503020204020204" pitchFamily="34" charset="-122"/>
-            </a:endParaRPr>
-          </a:p>
-        </p:txBody>
-      </p:sp>
-      <p:sp>
-        <p:nvSpPr>
-          <p:cNvPr id="3" name="文本占位符 2"/>
-          <p:cNvSpPr>
-            <a:spLocks noGrp="1"/>
-          </p:cNvSpPr>
-          <p:nvPr>
-            <p:ph type="body" idx="1"/>
-          </p:nvPr>
-        </p:nvSpPr>
-        <p:spPr/>
-        <p:txBody>
-          <a:bodyPr rtlCol="0">
-            <a:normAutofit/>
-          </a:bodyPr>
-          <a:lstStyle/>
-          <a:p>
-            <a:pPr rtl="0"/>
-            <a:r>
-              <a:rPr lang="zh-CN" altLang="en-US" sz="3600" dirty="0">
-                <a:latin typeface="Microsoft YaHei UI" panose="020B0503020204020204" pitchFamily="34" charset="-122"/>
-                <a:ea typeface="Microsoft YaHei UI" panose="020B0503020204020204" pitchFamily="34" charset="-122"/>
-              </a:rPr>
-              <a:t>项目主要功能</a:t>
-            </a:r>
-            <a:endParaRPr lang="zh-CN" altLang="en-US" sz="3600" dirty="0">
-              <a:latin typeface="Microsoft YaHei UI" panose="020B0503020204020204" pitchFamily="34" charset="-122"/>
-              <a:ea typeface="Microsoft YaHei UI" panose="020B0503020204020204" pitchFamily="34" charset="-122"/>
-            </a:endParaRPr>
-          </a:p>
-        </p:txBody>
-      </p:sp>
-    </p:spTree>
-  </p:cSld>
-  <p:clrMapOvr>
-    <a:masterClrMapping/>
-  </p:clrMapOvr>
-  <mc:AlternateContent xmlns:mc="http://schemas.openxmlformats.org/markup-compatibility/2006">
-    <mc:Choice xmlns:p14="http://schemas.microsoft.com/office/powerpoint/2010/main" Requires="p14">
-      <p:transition spd="med" p14:dur="700">
-        <p:fade/>
-      </p:transition>
-    </mc:Choice>
-    <mc:Fallback>
-      <p:transition spd="med">
-        <p:fade/>
-      </p:transition>
-    </mc:Fallback>
-  </mc:AlternateContent>
-</p:sld>
-</file>
-
-<file path=ppt/slides/slide8.xml><?xml version="1.0" encoding="utf-8"?>
-<p:sld xmlns:a="http://schemas.openxmlformats.org/drawingml/2006/main" xmlns:r="http://schemas.openxmlformats.org/officeDocument/2006/relationships" xmlns:p="http://schemas.openxmlformats.org/presentationml/2006/main">
-  <p:cSld>
-    <p:spTree>
-      <p:nvGrpSpPr>
-        <p:cNvPr id="1" name=""/>
-        <p:cNvGrpSpPr/>
-        <p:nvPr/>
-      </p:nvGrpSpPr>
-      <p:grpSpPr>
-        <a:xfrm>
-          <a:off x="0" y="0"/>
-          <a:ext cx="0" cy="0"/>
-          <a:chOff x="0" y="0"/>
-          <a:chExt cx="0" cy="0"/>
-        </a:xfrm>
-      </p:grpSpPr>
-      <p:sp>
-        <p:nvSpPr>
-          <p:cNvPr id="2" name="标题 1"/>
-          <p:cNvSpPr>
-            <a:spLocks noGrp="1"/>
-          </p:cNvSpPr>
-          <p:nvPr>
-            <p:ph type="title"/>
-          </p:nvPr>
-        </p:nvSpPr>
-        <p:spPr/>
-        <p:txBody>
-          <a:bodyPr rtlCol="0"/>
-          <a:lstStyle/>
-          <a:p>
-            <a:pPr rtl="0"/>
-            <a:endParaRPr lang="en-US" altLang="zh-CN" dirty="0">
-              <a:latin typeface="Microsoft YaHei UI" panose="020B0503020204020204" pitchFamily="34" charset="-122"/>
-              <a:ea typeface="Microsoft YaHei UI" panose="020B0503020204020204" pitchFamily="34" charset="-122"/>
-            </a:endParaRPr>
-          </a:p>
-        </p:txBody>
-      </p:sp>
-      <p:pic>
-        <p:nvPicPr>
-          <p:cNvPr id="4" name="图片 3"/>
-          <p:cNvPicPr>
-            <a:picLocks noChangeAspect="1"/>
-          </p:cNvPicPr>
-          <p:nvPr>
-            <p:custDataLst>
-              <p:tags r:id="rId1"/>
-            </p:custDataLst>
-          </p:nvPr>
-        </p:nvPicPr>
-        <p:blipFill>
-          <a:blip r:embed="rId2"/>
-          <a:stretch>
-            <a:fillRect/>
-          </a:stretch>
-        </p:blipFill>
-        <p:spPr>
-          <a:xfrm>
-            <a:off x="2421890" y="836930"/>
-            <a:ext cx="7103110" cy="5264785"/>
-          </a:xfrm>
-          <a:prstGeom prst="rect">
-            <a:avLst/>
-          </a:prstGeom>
-        </p:spPr>
-      </p:pic>
-    </p:spTree>
-  </p:cSld>
-  <p:clrMapOvr>
-    <a:masterClrMapping/>
-  </p:clrMapOvr>
-  <mc:AlternateContent xmlns:mc="http://schemas.openxmlformats.org/markup-compatibility/2006">
-    <mc:Choice xmlns:p14="http://schemas.microsoft.com/office/powerpoint/2010/main" Requires="p14">
-      <p:transition spd="med" p14:dur="700">
-        <p:fade/>
-      </p:transition>
-    </mc:Choice>
-    <mc:Fallback>
-      <p:transition spd="med">
-        <p:fade/>
-      </p:transition>
-    </mc:Fallback>
-  </mc:AlternateContent>
-</p:sld>
-</file>
-
 <file path=ppt/slides/slide9.xml><?xml version="1.0" encoding="utf-8"?>
 <p:sld xmlns:a="http://schemas.openxmlformats.org/drawingml/2006/main" xmlns:r="http://schemas.openxmlformats.org/officeDocument/2006/relationships" xmlns:p="http://schemas.openxmlformats.org/presentationml/2006/main">
   <p:cSld>
@@ -7570,75 +7733,136 @@
             <p:ph type="title"/>
           </p:nvPr>
         </p:nvSpPr>
-        <p:spPr/>
-        <p:txBody>
-          <a:bodyPr rtlCol="0"/>
+        <p:spPr>
+          <a:xfrm>
+            <a:off x="1269876" y="1916832"/>
+            <a:ext cx="9144000" cy="3816424"/>
+          </a:xfrm>
+        </p:spPr>
+        <p:txBody>
+          <a:bodyPr rtlCol="0" anchor="t"/>
           <a:lstStyle/>
           <a:p>
-            <a:pPr rtl="0"/>
-            <a:endParaRPr lang="en-US" altLang="zh-CN" dirty="0">
+            <a:pPr marL="457200" marR="0" lvl="0" indent="-457200" algn="l" defTabSz="914400" rtl="0" eaLnBrk="1" fontAlgn="auto" latinLnBrk="0" hangingPunct="1">
+              <a:lnSpc>
+                <a:spcPct val="90000"/>
+              </a:lnSpc>
+              <a:spcBef>
+                <a:spcPts val="1800"/>
+              </a:spcBef>
+              <a:spcAft>
+                <a:spcPts val="0"/>
+              </a:spcAft>
+              <a:buClrTx/>
+              <a:buSzTx/>
+              <a:buFont typeface="Arial" panose="020B0604020202020204" pitchFamily="34" charset="0"/>
+              <a:buChar char="•"/>
+              <a:defRPr/>
+            </a:pPr>
+            <a:r>
+              <a:rPr lang="zh-CN" altLang="en-US" sz="2400" dirty="0"/>
+              <a:t>科学计算器：可实现常规科学计算器所有功能，支持三角函数，反三角函数，指对函数，阶乘，取模等。</a:t>
+            </a:r>
+            <a:br>
+              <a:rPr lang="en-US" altLang="zh-CN" sz="2400" dirty="0"/>
+            </a:br>
+            <a:br>
+              <a:rPr lang="en-US" altLang="zh-CN" sz="2400" dirty="0"/>
+            </a:br>
+            <a:r>
+              <a:rPr lang="zh-CN" altLang="en-US" sz="2400" dirty="0"/>
+              <a:t>矩阵计算器：可实现矩阵的一元</a:t>
+            </a:r>
+            <a:r>
+              <a:rPr lang="en-US" altLang="zh-CN" sz="2400" dirty="0"/>
+              <a:t>/</a:t>
+            </a:r>
+            <a:r>
+              <a:rPr lang="zh-CN" altLang="en-US" sz="2400" dirty="0"/>
+              <a:t>二元运算，包括求转置矩阵，伴随矩阵，逆矩阵，特征值，矩阵的秩，矩阵的迹，矩阵相乘等等运算。</a:t>
+            </a:r>
+            <a:br>
+              <a:rPr lang="en-US" altLang="zh-CN" sz="2400" dirty="0"/>
+            </a:br>
+            <a:br>
+              <a:rPr lang="en-US" altLang="zh-CN" sz="2400" dirty="0"/>
+            </a:br>
+            <a:r>
+              <a:rPr lang="zh-CN" altLang="en-US" sz="2400" dirty="0"/>
+              <a:t>一元线性回归计算器：可实现</a:t>
+            </a:r>
+            <a:r>
+              <a:rPr lang="en-US" altLang="zh-CN" sz="2400" dirty="0"/>
+              <a:t>X^2,Y^2,XY</a:t>
+            </a:r>
+            <a:r>
+              <a:rPr lang="zh-CN" altLang="en-US" sz="2400" dirty="0"/>
+              <a:t>等数据列表，自动计算回归系数</a:t>
+            </a:r>
+            <a:r>
+              <a:rPr lang="en-US" altLang="zh-CN" sz="2400" dirty="0" err="1"/>
+              <a:t>b,a</a:t>
+            </a:r>
+            <a:r>
+              <a:rPr lang="zh-CN" altLang="en-US" sz="2400" dirty="0"/>
+              <a:t>与相关系数</a:t>
+            </a:r>
+            <a:r>
+              <a:rPr lang="en-US" altLang="zh-CN" sz="2400" dirty="0"/>
+              <a:t>R</a:t>
+            </a:r>
+            <a:r>
+              <a:rPr lang="zh-CN" altLang="en-US" sz="2400" dirty="0"/>
+              <a:t>。</a:t>
+            </a:r>
+            <a:br>
+              <a:rPr lang="en-US" altLang="zh-CN" sz="2400" dirty="0"/>
+            </a:br>
+            <a:br>
+              <a:rPr lang="en-US" altLang="zh-CN" sz="2400" dirty="0"/>
+            </a:br>
+            <a:br>
+              <a:rPr lang="en-US" altLang="zh-CN" sz="2400" dirty="0"/>
+            </a:br>
+            <a:endParaRPr lang="en-US" altLang="zh-CN" sz="2400" dirty="0">
               <a:latin typeface="Microsoft YaHei UI" panose="020B0503020204020204" pitchFamily="34" charset="-122"/>
               <a:ea typeface="Microsoft YaHei UI" panose="020B0503020204020204" pitchFamily="34" charset="-122"/>
             </a:endParaRPr>
           </a:p>
         </p:txBody>
       </p:sp>
-      <p:pic>
-        <p:nvPicPr>
-          <p:cNvPr id="3" name="图片 2"/>
-          <p:cNvPicPr>
-            <a:picLocks noChangeAspect="1"/>
-          </p:cNvPicPr>
-          <p:nvPr>
-            <p:custDataLst>
-              <p:tags r:id="rId1"/>
-            </p:custDataLst>
-          </p:nvPr>
-        </p:nvPicPr>
-        <p:blipFill>
-          <a:blip r:embed="rId2"/>
-          <a:stretch>
-            <a:fillRect/>
-          </a:stretch>
-        </p:blipFill>
-        <p:spPr>
-          <a:xfrm>
-            <a:off x="1125855" y="2097405"/>
-            <a:ext cx="4465320" cy="3328670"/>
-          </a:xfrm>
-          <a:prstGeom prst="rect">
-            <a:avLst/>
-          </a:prstGeom>
-        </p:spPr>
-      </p:pic>
-      <p:pic>
-        <p:nvPicPr>
-          <p:cNvPr id="4" name="图片 3"/>
-          <p:cNvPicPr>
-            <a:picLocks noChangeAspect="1"/>
-          </p:cNvPicPr>
-          <p:nvPr>
-            <p:custDataLst>
-              <p:tags r:id="rId3"/>
-            </p:custDataLst>
-          </p:nvPr>
-        </p:nvPicPr>
-        <p:blipFill>
-          <a:blip r:embed="rId4"/>
-          <a:stretch>
-            <a:fillRect/>
-          </a:stretch>
-        </p:blipFill>
-        <p:spPr>
-          <a:xfrm>
-            <a:off x="5949950" y="2070735"/>
-            <a:ext cx="4519295" cy="3355340"/>
-          </a:xfrm>
-          <a:prstGeom prst="rect">
-            <a:avLst/>
-          </a:prstGeom>
-        </p:spPr>
-      </p:pic>
+      <p:sp>
+        <p:nvSpPr>
+          <p:cNvPr id="3" name="文本占位符 2"/>
+          <p:cNvSpPr>
+            <a:spLocks noGrp="1"/>
+          </p:cNvSpPr>
+          <p:nvPr>
+            <p:ph type="body" idx="1"/>
+          </p:nvPr>
+        </p:nvSpPr>
+        <p:spPr/>
+        <p:txBody>
+          <a:bodyPr rtlCol="0">
+            <a:normAutofit/>
+          </a:bodyPr>
+          <a:lstStyle/>
+          <a:p>
+            <a:pPr rtl="0"/>
+            <a:r>
+              <a:rPr lang="zh-CN" altLang="en-US" sz="3600" dirty="0">
+                <a:latin typeface="Microsoft YaHei UI" panose="020B0503020204020204" pitchFamily="34" charset="-122"/>
+                <a:ea typeface="Microsoft YaHei UI" panose="020B0503020204020204" pitchFamily="34" charset="-122"/>
+              </a:rPr>
+              <a:t>项目主要功能</a:t>
+            </a:r>
+            <a:endParaRPr lang="zh-CN" altLang="en-US" sz="3600" dirty="0">
+              <a:latin typeface="Microsoft YaHei UI" panose="020B0503020204020204" pitchFamily="34" charset="-122"/>
+              <a:ea typeface="Microsoft YaHei UI" panose="020B0503020204020204" pitchFamily="34" charset="-122"/>
+            </a:endParaRPr>
+          </a:p>
+        </p:txBody>
+      </p:sp>
     </p:spTree>
   </p:cSld>
   <p:clrMapOvr>
@@ -7662,6 +7886,18 @@
 <file path=ppt/tags/tag1.xml><?xml version="1.0" encoding="utf-8"?>
 <p:tagLst xmlns:p="http://schemas.openxmlformats.org/presentationml/2006/main">
   <p:tag name="KSO_WM_BEAUTIFY_FLAG" val=""/>
+</p:tagLst>
+</file>
+
+<file path=ppt/tags/tag10.xml><?xml version="1.0" encoding="utf-8"?>
+<p:tagLst xmlns:p="http://schemas.openxmlformats.org/presentationml/2006/main">
+  <p:tag name="KSO_WM_BEAUTIFY_FLAG" val=""/>
+</p:tagLst>
+</file>
+
+<file path=ppt/tags/tag11.xml><?xml version="1.0" encoding="utf-8"?>
+<p:tagLst xmlns:p="http://schemas.openxmlformats.org/presentationml/2006/main">
+  <p:tag name="commondata" val="eyJoZGlkIjoiYzM0NWVjOTkwYzNkMzJlMTQwNjQ0MWY5ZTIwMjllNWIifQ=="/>
 </p:tagLst>
 </file>
 
@@ -7709,7 +7945,7 @@
 
 <file path=ppt/tags/tag9.xml><?xml version="1.0" encoding="utf-8"?>
 <p:tagLst xmlns:p="http://schemas.openxmlformats.org/presentationml/2006/main">
-  <p:tag name="commondata" val="eyJoZGlkIjoiYzM0NWVjOTkwYzNkMzJlMTQwNjQ0MWY5ZTIwMjllNWIifQ=="/>
+  <p:tag name="KSO_WM_BEAUTIFY_FLAG" val=""/>
 </p:tagLst>
 </file>
 
